--- a/figures/Chapter 4 - Introduction to Graph Theory/4.1 Introduction to Graphs.pptx
+++ b/figures/Chapter 4 - Introduction to Graph Theory/4.1 Introduction to Graphs.pptx
@@ -171,10 +171,9 @@
           </a:lstStyle>
           <a:p>
             <a:r>
-              <a:rPr lang="en-US" smtClean="0"/>
+              <a:rPr lang="en-US"/>
               <a:t>Click to edit Master title style</a:t>
             </a:r>
-            <a:endParaRPr lang="en-US"/>
           </a:p>
         </p:txBody>
       </p:sp>
@@ -236,10 +235,9 @@
           </a:lstStyle>
           <a:p>
             <a:r>
-              <a:rPr lang="en-US" smtClean="0"/>
+              <a:rPr lang="en-US"/>
               <a:t>Click to edit Master subtitle style</a:t>
             </a:r>
-            <a:endParaRPr lang="en-US"/>
           </a:p>
         </p:txBody>
       </p:sp>
@@ -260,7 +258,7 @@
           <a:p>
             <a:fld id="{BB7DCC67-5970-4D38-BCD6-A5FE23A66C8D}" type="datetimeFigureOut">
               <a:rPr lang="en-US" smtClean="0"/>
-              <a:t>7/29/2016</a:t>
+              <a:t>5/8/18</a:t>
             </a:fld>
             <a:endParaRPr lang="en-US"/>
           </a:p>
@@ -354,10 +352,9 @@
           <a:lstStyle/>
           <a:p>
             <a:r>
-              <a:rPr lang="en-US" smtClean="0"/>
+              <a:rPr lang="en-US"/>
               <a:t>Click to edit Master title style</a:t>
             </a:r>
-            <a:endParaRPr lang="en-US"/>
           </a:p>
         </p:txBody>
       </p:sp>
@@ -378,38 +375,37 @@
           <a:p>
             <a:pPr lvl="0"/>
             <a:r>
-              <a:rPr lang="en-US" smtClean="0"/>
+              <a:rPr lang="en-US"/>
               <a:t>Click to edit Master text styles</a:t>
             </a:r>
           </a:p>
           <a:p>
             <a:pPr lvl="1"/>
             <a:r>
-              <a:rPr lang="en-US" smtClean="0"/>
+              <a:rPr lang="en-US"/>
               <a:t>Second level</a:t>
             </a:r>
           </a:p>
           <a:p>
             <a:pPr lvl="2"/>
             <a:r>
-              <a:rPr lang="en-US" smtClean="0"/>
+              <a:rPr lang="en-US"/>
               <a:t>Third level</a:t>
             </a:r>
           </a:p>
           <a:p>
             <a:pPr lvl="3"/>
             <a:r>
-              <a:rPr lang="en-US" smtClean="0"/>
+              <a:rPr lang="en-US"/>
               <a:t>Fourth level</a:t>
             </a:r>
           </a:p>
           <a:p>
             <a:pPr lvl="4"/>
             <a:r>
-              <a:rPr lang="en-US" smtClean="0"/>
+              <a:rPr lang="en-US"/>
               <a:t>Fifth level</a:t>
             </a:r>
-            <a:endParaRPr lang="en-US"/>
           </a:p>
         </p:txBody>
       </p:sp>
@@ -430,7 +426,7 @@
           <a:p>
             <a:fld id="{BB7DCC67-5970-4D38-BCD6-A5FE23A66C8D}" type="datetimeFigureOut">
               <a:rPr lang="en-US" smtClean="0"/>
-              <a:t>7/29/2016</a:t>
+              <a:t>5/8/18</a:t>
             </a:fld>
             <a:endParaRPr lang="en-US"/>
           </a:p>
@@ -529,10 +525,9 @@
           <a:lstStyle/>
           <a:p>
             <a:r>
-              <a:rPr lang="en-US" smtClean="0"/>
+              <a:rPr lang="en-US"/>
               <a:t>Click to edit Master title style</a:t>
             </a:r>
-            <a:endParaRPr lang="en-US"/>
           </a:p>
         </p:txBody>
       </p:sp>
@@ -558,38 +553,37 @@
           <a:p>
             <a:pPr lvl="0"/>
             <a:r>
-              <a:rPr lang="en-US" smtClean="0"/>
+              <a:rPr lang="en-US"/>
               <a:t>Click to edit Master text styles</a:t>
             </a:r>
           </a:p>
           <a:p>
             <a:pPr lvl="1"/>
             <a:r>
-              <a:rPr lang="en-US" smtClean="0"/>
+              <a:rPr lang="en-US"/>
               <a:t>Second level</a:t>
             </a:r>
           </a:p>
           <a:p>
             <a:pPr lvl="2"/>
             <a:r>
-              <a:rPr lang="en-US" smtClean="0"/>
+              <a:rPr lang="en-US"/>
               <a:t>Third level</a:t>
             </a:r>
           </a:p>
           <a:p>
             <a:pPr lvl="3"/>
             <a:r>
-              <a:rPr lang="en-US" smtClean="0"/>
+              <a:rPr lang="en-US"/>
               <a:t>Fourth level</a:t>
             </a:r>
           </a:p>
           <a:p>
             <a:pPr lvl="4"/>
             <a:r>
-              <a:rPr lang="en-US" smtClean="0"/>
+              <a:rPr lang="en-US"/>
               <a:t>Fifth level</a:t>
             </a:r>
-            <a:endParaRPr lang="en-US"/>
           </a:p>
         </p:txBody>
       </p:sp>
@@ -610,7 +604,7 @@
           <a:p>
             <a:fld id="{BB7DCC67-5970-4D38-BCD6-A5FE23A66C8D}" type="datetimeFigureOut">
               <a:rPr lang="en-US" smtClean="0"/>
-              <a:t>7/29/2016</a:t>
+              <a:t>5/8/18</a:t>
             </a:fld>
             <a:endParaRPr lang="en-US"/>
           </a:p>
@@ -704,10 +698,9 @@
           <a:lstStyle/>
           <a:p>
             <a:r>
-              <a:rPr lang="en-US" smtClean="0"/>
+              <a:rPr lang="en-US"/>
               <a:t>Click to edit Master title style</a:t>
             </a:r>
-            <a:endParaRPr lang="en-US"/>
           </a:p>
         </p:txBody>
       </p:sp>
@@ -728,38 +721,37 @@
           <a:p>
             <a:pPr lvl="0"/>
             <a:r>
-              <a:rPr lang="en-US" smtClean="0"/>
+              <a:rPr lang="en-US"/>
               <a:t>Click to edit Master text styles</a:t>
             </a:r>
           </a:p>
           <a:p>
             <a:pPr lvl="1"/>
             <a:r>
-              <a:rPr lang="en-US" smtClean="0"/>
+              <a:rPr lang="en-US"/>
               <a:t>Second level</a:t>
             </a:r>
           </a:p>
           <a:p>
             <a:pPr lvl="2"/>
             <a:r>
-              <a:rPr lang="en-US" smtClean="0"/>
+              <a:rPr lang="en-US"/>
               <a:t>Third level</a:t>
             </a:r>
           </a:p>
           <a:p>
             <a:pPr lvl="3"/>
             <a:r>
-              <a:rPr lang="en-US" smtClean="0"/>
+              <a:rPr lang="en-US"/>
               <a:t>Fourth level</a:t>
             </a:r>
           </a:p>
           <a:p>
             <a:pPr lvl="4"/>
             <a:r>
-              <a:rPr lang="en-US" smtClean="0"/>
+              <a:rPr lang="en-US"/>
               <a:t>Fifth level</a:t>
             </a:r>
-            <a:endParaRPr lang="en-US"/>
           </a:p>
         </p:txBody>
       </p:sp>
@@ -780,7 +772,7 @@
           <a:p>
             <a:fld id="{BB7DCC67-5970-4D38-BCD6-A5FE23A66C8D}" type="datetimeFigureOut">
               <a:rPr lang="en-US" smtClean="0"/>
-              <a:t>7/29/2016</a:t>
+              <a:t>5/8/18</a:t>
             </a:fld>
             <a:endParaRPr lang="en-US"/>
           </a:p>
@@ -883,10 +875,9 @@
           </a:lstStyle>
           <a:p>
             <a:r>
-              <a:rPr lang="en-US" smtClean="0"/>
+              <a:rPr lang="en-US"/>
               <a:t>Click to edit Master title style</a:t>
             </a:r>
-            <a:endParaRPr lang="en-US"/>
           </a:p>
         </p:txBody>
       </p:sp>
@@ -1003,7 +994,7 @@
           <a:p>
             <a:pPr lvl="0"/>
             <a:r>
-              <a:rPr lang="en-US" smtClean="0"/>
+              <a:rPr lang="en-US"/>
               <a:t>Click to edit Master text styles</a:t>
             </a:r>
           </a:p>
@@ -1026,7 +1017,7 @@
           <a:p>
             <a:fld id="{BB7DCC67-5970-4D38-BCD6-A5FE23A66C8D}" type="datetimeFigureOut">
               <a:rPr lang="en-US" smtClean="0"/>
-              <a:t>7/29/2016</a:t>
+              <a:t>5/8/18</a:t>
             </a:fld>
             <a:endParaRPr lang="en-US"/>
           </a:p>
@@ -1120,10 +1111,9 @@
           <a:lstStyle/>
           <a:p>
             <a:r>
-              <a:rPr lang="en-US" smtClean="0"/>
+              <a:rPr lang="en-US"/>
               <a:t>Click to edit Master title style</a:t>
             </a:r>
-            <a:endParaRPr lang="en-US"/>
           </a:p>
         </p:txBody>
       </p:sp>
@@ -1149,38 +1139,37 @@
           <a:p>
             <a:pPr lvl="0"/>
             <a:r>
-              <a:rPr lang="en-US" smtClean="0"/>
+              <a:rPr lang="en-US"/>
               <a:t>Click to edit Master text styles</a:t>
             </a:r>
           </a:p>
           <a:p>
             <a:pPr lvl="1"/>
             <a:r>
-              <a:rPr lang="en-US" smtClean="0"/>
+              <a:rPr lang="en-US"/>
               <a:t>Second level</a:t>
             </a:r>
           </a:p>
           <a:p>
             <a:pPr lvl="2"/>
             <a:r>
-              <a:rPr lang="en-US" smtClean="0"/>
+              <a:rPr lang="en-US"/>
               <a:t>Third level</a:t>
             </a:r>
           </a:p>
           <a:p>
             <a:pPr lvl="3"/>
             <a:r>
-              <a:rPr lang="en-US" smtClean="0"/>
+              <a:rPr lang="en-US"/>
               <a:t>Fourth level</a:t>
             </a:r>
           </a:p>
           <a:p>
             <a:pPr lvl="4"/>
             <a:r>
-              <a:rPr lang="en-US" smtClean="0"/>
+              <a:rPr lang="en-US"/>
               <a:t>Fifth level</a:t>
             </a:r>
-            <a:endParaRPr lang="en-US"/>
           </a:p>
         </p:txBody>
       </p:sp>
@@ -1206,38 +1195,37 @@
           <a:p>
             <a:pPr lvl="0"/>
             <a:r>
-              <a:rPr lang="en-US" smtClean="0"/>
+              <a:rPr lang="en-US"/>
               <a:t>Click to edit Master text styles</a:t>
             </a:r>
           </a:p>
           <a:p>
             <a:pPr lvl="1"/>
             <a:r>
-              <a:rPr lang="en-US" smtClean="0"/>
+              <a:rPr lang="en-US"/>
               <a:t>Second level</a:t>
             </a:r>
           </a:p>
           <a:p>
             <a:pPr lvl="2"/>
             <a:r>
-              <a:rPr lang="en-US" smtClean="0"/>
+              <a:rPr lang="en-US"/>
               <a:t>Third level</a:t>
             </a:r>
           </a:p>
           <a:p>
             <a:pPr lvl="3"/>
             <a:r>
-              <a:rPr lang="en-US" smtClean="0"/>
+              <a:rPr lang="en-US"/>
               <a:t>Fourth level</a:t>
             </a:r>
           </a:p>
           <a:p>
             <a:pPr lvl="4"/>
             <a:r>
-              <a:rPr lang="en-US" smtClean="0"/>
+              <a:rPr lang="en-US"/>
               <a:t>Fifth level</a:t>
             </a:r>
-            <a:endParaRPr lang="en-US"/>
           </a:p>
         </p:txBody>
       </p:sp>
@@ -1258,7 +1246,7 @@
           <a:p>
             <a:fld id="{BB7DCC67-5970-4D38-BCD6-A5FE23A66C8D}" type="datetimeFigureOut">
               <a:rPr lang="en-US" smtClean="0"/>
-              <a:t>7/29/2016</a:t>
+              <a:t>5/8/18</a:t>
             </a:fld>
             <a:endParaRPr lang="en-US"/>
           </a:p>
@@ -1357,10 +1345,9 @@
           <a:lstStyle/>
           <a:p>
             <a:r>
-              <a:rPr lang="en-US" smtClean="0"/>
+              <a:rPr lang="en-US"/>
               <a:t>Click to edit Master title style</a:t>
             </a:r>
-            <a:endParaRPr lang="en-US"/>
           </a:p>
         </p:txBody>
       </p:sp>
@@ -1423,7 +1410,7 @@
           <a:p>
             <a:pPr lvl="0"/>
             <a:r>
-              <a:rPr lang="en-US" smtClean="0"/>
+              <a:rPr lang="en-US"/>
               <a:t>Click to edit Master text styles</a:t>
             </a:r>
           </a:p>
@@ -1451,38 +1438,37 @@
           <a:p>
             <a:pPr lvl="0"/>
             <a:r>
-              <a:rPr lang="en-US" smtClean="0"/>
+              <a:rPr lang="en-US"/>
               <a:t>Click to edit Master text styles</a:t>
             </a:r>
           </a:p>
           <a:p>
             <a:pPr lvl="1"/>
             <a:r>
-              <a:rPr lang="en-US" smtClean="0"/>
+              <a:rPr lang="en-US"/>
               <a:t>Second level</a:t>
             </a:r>
           </a:p>
           <a:p>
             <a:pPr lvl="2"/>
             <a:r>
-              <a:rPr lang="en-US" smtClean="0"/>
+              <a:rPr lang="en-US"/>
               <a:t>Third level</a:t>
             </a:r>
           </a:p>
           <a:p>
             <a:pPr lvl="3"/>
             <a:r>
-              <a:rPr lang="en-US" smtClean="0"/>
+              <a:rPr lang="en-US"/>
               <a:t>Fourth level</a:t>
             </a:r>
           </a:p>
           <a:p>
             <a:pPr lvl="4"/>
             <a:r>
-              <a:rPr lang="en-US" smtClean="0"/>
+              <a:rPr lang="en-US"/>
               <a:t>Fifth level</a:t>
             </a:r>
-            <a:endParaRPr lang="en-US"/>
           </a:p>
         </p:txBody>
       </p:sp>
@@ -1545,7 +1531,7 @@
           <a:p>
             <a:pPr lvl="0"/>
             <a:r>
-              <a:rPr lang="en-US" smtClean="0"/>
+              <a:rPr lang="en-US"/>
               <a:t>Click to edit Master text styles</a:t>
             </a:r>
           </a:p>
@@ -1573,38 +1559,37 @@
           <a:p>
             <a:pPr lvl="0"/>
             <a:r>
-              <a:rPr lang="en-US" smtClean="0"/>
+              <a:rPr lang="en-US"/>
               <a:t>Click to edit Master text styles</a:t>
             </a:r>
           </a:p>
           <a:p>
             <a:pPr lvl="1"/>
             <a:r>
-              <a:rPr lang="en-US" smtClean="0"/>
+              <a:rPr lang="en-US"/>
               <a:t>Second level</a:t>
             </a:r>
           </a:p>
           <a:p>
             <a:pPr lvl="2"/>
             <a:r>
-              <a:rPr lang="en-US" smtClean="0"/>
+              <a:rPr lang="en-US"/>
               <a:t>Third level</a:t>
             </a:r>
           </a:p>
           <a:p>
             <a:pPr lvl="3"/>
             <a:r>
-              <a:rPr lang="en-US" smtClean="0"/>
+              <a:rPr lang="en-US"/>
               <a:t>Fourth level</a:t>
             </a:r>
           </a:p>
           <a:p>
             <a:pPr lvl="4"/>
             <a:r>
-              <a:rPr lang="en-US" smtClean="0"/>
+              <a:rPr lang="en-US"/>
               <a:t>Fifth level</a:t>
             </a:r>
-            <a:endParaRPr lang="en-US"/>
           </a:p>
         </p:txBody>
       </p:sp>
@@ -1625,7 +1610,7 @@
           <a:p>
             <a:fld id="{BB7DCC67-5970-4D38-BCD6-A5FE23A66C8D}" type="datetimeFigureOut">
               <a:rPr lang="en-US" smtClean="0"/>
-              <a:t>7/29/2016</a:t>
+              <a:t>5/8/18</a:t>
             </a:fld>
             <a:endParaRPr lang="en-US"/>
           </a:p>
@@ -1719,10 +1704,9 @@
           <a:lstStyle/>
           <a:p>
             <a:r>
-              <a:rPr lang="en-US" smtClean="0"/>
+              <a:rPr lang="en-US"/>
               <a:t>Click to edit Master title style</a:t>
             </a:r>
-            <a:endParaRPr lang="en-US"/>
           </a:p>
         </p:txBody>
       </p:sp>
@@ -1743,7 +1727,7 @@
           <a:p>
             <a:fld id="{BB7DCC67-5970-4D38-BCD6-A5FE23A66C8D}" type="datetimeFigureOut">
               <a:rPr lang="en-US" smtClean="0"/>
-              <a:t>7/29/2016</a:t>
+              <a:t>5/8/18</a:t>
             </a:fld>
             <a:endParaRPr lang="en-US"/>
           </a:p>
@@ -1838,7 +1822,7 @@
           <a:p>
             <a:fld id="{BB7DCC67-5970-4D38-BCD6-A5FE23A66C8D}" type="datetimeFigureOut">
               <a:rPr lang="en-US" smtClean="0"/>
-              <a:t>7/29/2016</a:t>
+              <a:t>5/8/18</a:t>
             </a:fld>
             <a:endParaRPr lang="en-US"/>
           </a:p>
@@ -1941,10 +1925,9 @@
           </a:lstStyle>
           <a:p>
             <a:r>
-              <a:rPr lang="en-US" smtClean="0"/>
+              <a:rPr lang="en-US"/>
               <a:t>Click to edit Master title style</a:t>
             </a:r>
-            <a:endParaRPr lang="en-US"/>
           </a:p>
         </p:txBody>
       </p:sp>
@@ -1998,38 +1981,37 @@
           <a:p>
             <a:pPr lvl="0"/>
             <a:r>
-              <a:rPr lang="en-US" smtClean="0"/>
+              <a:rPr lang="en-US"/>
               <a:t>Click to edit Master text styles</a:t>
             </a:r>
           </a:p>
           <a:p>
             <a:pPr lvl="1"/>
             <a:r>
-              <a:rPr lang="en-US" smtClean="0"/>
+              <a:rPr lang="en-US"/>
               <a:t>Second level</a:t>
             </a:r>
           </a:p>
           <a:p>
             <a:pPr lvl="2"/>
             <a:r>
-              <a:rPr lang="en-US" smtClean="0"/>
+              <a:rPr lang="en-US"/>
               <a:t>Third level</a:t>
             </a:r>
           </a:p>
           <a:p>
             <a:pPr lvl="3"/>
             <a:r>
-              <a:rPr lang="en-US" smtClean="0"/>
+              <a:rPr lang="en-US"/>
               <a:t>Fourth level</a:t>
             </a:r>
           </a:p>
           <a:p>
             <a:pPr lvl="4"/>
             <a:r>
-              <a:rPr lang="en-US" smtClean="0"/>
+              <a:rPr lang="en-US"/>
               <a:t>Fifth level</a:t>
             </a:r>
-            <a:endParaRPr lang="en-US"/>
           </a:p>
         </p:txBody>
       </p:sp>
@@ -2092,7 +2074,7 @@
           <a:p>
             <a:pPr lvl="0"/>
             <a:r>
-              <a:rPr lang="en-US" smtClean="0"/>
+              <a:rPr lang="en-US"/>
               <a:t>Click to edit Master text styles</a:t>
             </a:r>
           </a:p>
@@ -2115,7 +2097,7 @@
           <a:p>
             <a:fld id="{BB7DCC67-5970-4D38-BCD6-A5FE23A66C8D}" type="datetimeFigureOut">
               <a:rPr lang="en-US" smtClean="0"/>
-              <a:t>7/29/2016</a:t>
+              <a:t>5/8/18</a:t>
             </a:fld>
             <a:endParaRPr lang="en-US"/>
           </a:p>
@@ -2218,10 +2200,9 @@
           </a:lstStyle>
           <a:p>
             <a:r>
-              <a:rPr lang="en-US" smtClean="0"/>
+              <a:rPr lang="en-US"/>
               <a:t>Click to edit Master title style</a:t>
             </a:r>
-            <a:endParaRPr lang="en-US"/>
           </a:p>
         </p:txBody>
       </p:sp>
@@ -2345,7 +2326,7 @@
           <a:p>
             <a:pPr lvl="0"/>
             <a:r>
-              <a:rPr lang="en-US" smtClean="0"/>
+              <a:rPr lang="en-US"/>
               <a:t>Click to edit Master text styles</a:t>
             </a:r>
           </a:p>
@@ -2368,7 +2349,7 @@
           <a:p>
             <a:fld id="{BB7DCC67-5970-4D38-BCD6-A5FE23A66C8D}" type="datetimeFigureOut">
               <a:rPr lang="en-US" smtClean="0"/>
-              <a:t>7/29/2016</a:t>
+              <a:t>5/8/18</a:t>
             </a:fld>
             <a:endParaRPr lang="en-US"/>
           </a:p>
@@ -2477,10 +2458,9 @@
           <a:lstStyle/>
           <a:p>
             <a:r>
-              <a:rPr lang="en-US" smtClean="0"/>
+              <a:rPr lang="en-US"/>
               <a:t>Click to edit Master title style</a:t>
             </a:r>
-            <a:endParaRPr lang="en-US"/>
           </a:p>
         </p:txBody>
       </p:sp>
@@ -2511,38 +2491,37 @@
           <a:p>
             <a:pPr lvl="0"/>
             <a:r>
-              <a:rPr lang="en-US" smtClean="0"/>
+              <a:rPr lang="en-US"/>
               <a:t>Click to edit Master text styles</a:t>
             </a:r>
           </a:p>
           <a:p>
             <a:pPr lvl="1"/>
             <a:r>
-              <a:rPr lang="en-US" smtClean="0"/>
+              <a:rPr lang="en-US"/>
               <a:t>Second level</a:t>
             </a:r>
           </a:p>
           <a:p>
             <a:pPr lvl="2"/>
             <a:r>
-              <a:rPr lang="en-US" smtClean="0"/>
+              <a:rPr lang="en-US"/>
               <a:t>Third level</a:t>
             </a:r>
           </a:p>
           <a:p>
             <a:pPr lvl="3"/>
             <a:r>
-              <a:rPr lang="en-US" smtClean="0"/>
+              <a:rPr lang="en-US"/>
               <a:t>Fourth level</a:t>
             </a:r>
           </a:p>
           <a:p>
             <a:pPr lvl="4"/>
             <a:r>
-              <a:rPr lang="en-US" smtClean="0"/>
+              <a:rPr lang="en-US"/>
               <a:t>Fifth level</a:t>
             </a:r>
-            <a:endParaRPr lang="en-US"/>
           </a:p>
         </p:txBody>
       </p:sp>
@@ -2581,7 +2560,7 @@
           <a:p>
             <a:fld id="{BB7DCC67-5970-4D38-BCD6-A5FE23A66C8D}" type="datetimeFigureOut">
               <a:rPr lang="en-US" smtClean="0"/>
-              <a:t>7/29/2016</a:t>
+              <a:t>5/8/18</a:t>
             </a:fld>
             <a:endParaRPr lang="en-US"/>
           </a:p>
@@ -4170,18 +4149,13 @@
           <a:p>
             <a:pPr algn="ctr"/>
             <a:r>
-              <a:rPr lang="en-US" sz="2800" dirty="0" smtClean="0">
+              <a:rPr lang="en-US" sz="2800" dirty="0">
                 <a:solidFill>
                   <a:schemeClr val="tx1"/>
                 </a:solidFill>
               </a:rPr>
               <a:t>1</a:t>
             </a:r>
-            <a:endParaRPr lang="en-US" sz="2800" dirty="0">
-              <a:solidFill>
-                <a:schemeClr val="tx1"/>
-              </a:solidFill>
-            </a:endParaRPr>
           </a:p>
         </p:txBody>
       </p:sp>
@@ -4228,18 +4202,13 @@
           <a:p>
             <a:pPr algn="ctr"/>
             <a:r>
-              <a:rPr lang="en-US" sz="2800" dirty="0" smtClean="0">
+              <a:rPr lang="en-US" sz="2800" dirty="0">
                 <a:solidFill>
                   <a:schemeClr val="tx1"/>
                 </a:solidFill>
               </a:rPr>
               <a:t>2</a:t>
             </a:r>
-            <a:endParaRPr lang="en-US" sz="2800" dirty="0">
-              <a:solidFill>
-                <a:schemeClr val="tx1"/>
-              </a:solidFill>
-            </a:endParaRPr>
           </a:p>
         </p:txBody>
       </p:sp>
@@ -4286,18 +4255,13 @@
           <a:p>
             <a:pPr algn="ctr"/>
             <a:r>
-              <a:rPr lang="en-US" sz="2800" dirty="0" smtClean="0">
+              <a:rPr lang="en-US" sz="2800" dirty="0">
                 <a:solidFill>
                   <a:schemeClr val="tx1"/>
                 </a:solidFill>
               </a:rPr>
               <a:t>4</a:t>
             </a:r>
-            <a:endParaRPr lang="en-US" sz="2800" dirty="0">
-              <a:solidFill>
-                <a:schemeClr val="tx1"/>
-              </a:solidFill>
-            </a:endParaRPr>
           </a:p>
         </p:txBody>
       </p:sp>
@@ -4344,18 +4308,13 @@
           <a:p>
             <a:pPr algn="ctr"/>
             <a:r>
-              <a:rPr lang="en-US" sz="2800" dirty="0" smtClean="0">
+              <a:rPr lang="en-US" sz="2800" dirty="0">
                 <a:solidFill>
                   <a:schemeClr val="tx1"/>
                 </a:solidFill>
               </a:rPr>
               <a:t>5</a:t>
             </a:r>
-            <a:endParaRPr lang="en-US" sz="2800" dirty="0">
-              <a:solidFill>
-                <a:schemeClr val="tx1"/>
-              </a:solidFill>
-            </a:endParaRPr>
           </a:p>
         </p:txBody>
       </p:sp>
@@ -4485,7 +4444,7 @@
         <p:spPr>
           <a:xfrm>
             <a:off x="643781" y="619630"/>
-            <a:ext cx="579549" cy="584775"/>
+            <a:ext cx="774880" cy="584775"/>
           </a:xfrm>
           <a:prstGeom prst="rect">
             <a:avLst/>
@@ -4499,18 +4458,13 @@
           <a:lstStyle/>
           <a:p>
             <a:r>
-              <a:rPr lang="en-US" sz="3200" b="1" dirty="0" smtClean="0">
+              <a:rPr lang="en-US" sz="3200" b="1" dirty="0">
                 <a:solidFill>
                   <a:srgbClr val="00B050"/>
                 </a:solidFill>
               </a:rPr>
               <a:t>A.</a:t>
             </a:r>
-            <a:endParaRPr lang="en-US" sz="3200" b="1" dirty="0">
-              <a:solidFill>
-                <a:srgbClr val="00B050"/>
-              </a:solidFill>
-            </a:endParaRPr>
           </a:p>
         </p:txBody>
       </p:sp>
@@ -4557,18 +4511,13 @@
           <a:p>
             <a:pPr algn="ctr"/>
             <a:r>
-              <a:rPr lang="en-US" sz="2800" dirty="0" smtClean="0">
+              <a:rPr lang="en-US" sz="2800" dirty="0">
                 <a:solidFill>
                   <a:schemeClr val="tx1"/>
                 </a:solidFill>
               </a:rPr>
               <a:t>1</a:t>
             </a:r>
-            <a:endParaRPr lang="en-US" sz="2800" dirty="0">
-              <a:solidFill>
-                <a:schemeClr val="tx1"/>
-              </a:solidFill>
-            </a:endParaRPr>
           </a:p>
         </p:txBody>
       </p:sp>
@@ -4615,18 +4564,13 @@
           <a:p>
             <a:pPr algn="ctr"/>
             <a:r>
-              <a:rPr lang="en-US" sz="2800" dirty="0" smtClean="0">
+              <a:rPr lang="en-US" sz="2800" dirty="0">
                 <a:solidFill>
                   <a:schemeClr val="tx1"/>
                 </a:solidFill>
               </a:rPr>
               <a:t>3</a:t>
             </a:r>
-            <a:endParaRPr lang="en-US" sz="2800" dirty="0">
-              <a:solidFill>
-                <a:schemeClr val="tx1"/>
-              </a:solidFill>
-            </a:endParaRPr>
           </a:p>
         </p:txBody>
       </p:sp>
@@ -4673,18 +4617,13 @@
           <a:p>
             <a:pPr algn="ctr"/>
             <a:r>
-              <a:rPr lang="en-US" sz="2800" dirty="0" smtClean="0">
+              <a:rPr lang="en-US" sz="2800" dirty="0">
                 <a:solidFill>
                   <a:schemeClr val="tx1"/>
                 </a:solidFill>
               </a:rPr>
               <a:t>2</a:t>
             </a:r>
-            <a:endParaRPr lang="en-US" sz="2800" dirty="0">
-              <a:solidFill>
-                <a:schemeClr val="tx1"/>
-              </a:solidFill>
-            </a:endParaRPr>
           </a:p>
         </p:txBody>
       </p:sp>
@@ -4777,7 +4716,7 @@
         <p:spPr>
           <a:xfrm>
             <a:off x="6688348" y="3676734"/>
-            <a:ext cx="579549" cy="584775"/>
+            <a:ext cx="813507" cy="584775"/>
           </a:xfrm>
           <a:prstGeom prst="rect">
             <a:avLst/>
@@ -4791,18 +4730,13 @@
           <a:lstStyle/>
           <a:p>
             <a:r>
-              <a:rPr lang="en-US" sz="3200" b="1" dirty="0" smtClean="0">
+              <a:rPr lang="en-US" sz="3200" b="1" dirty="0">
                 <a:solidFill>
                   <a:srgbClr val="00B050"/>
                 </a:solidFill>
               </a:rPr>
               <a:t>E.</a:t>
             </a:r>
-            <a:endParaRPr lang="en-US" sz="3200" b="1" dirty="0">
-              <a:solidFill>
-                <a:srgbClr val="00B050"/>
-              </a:solidFill>
-            </a:endParaRPr>
           </a:p>
         </p:txBody>
       </p:sp>
@@ -4849,18 +4783,13 @@
           <a:p>
             <a:pPr algn="ctr"/>
             <a:r>
-              <a:rPr lang="en-US" sz="2800" dirty="0" smtClean="0">
+              <a:rPr lang="en-US" sz="2800" dirty="0">
                 <a:solidFill>
                   <a:schemeClr val="tx1"/>
                 </a:solidFill>
               </a:rPr>
               <a:t>1</a:t>
             </a:r>
-            <a:endParaRPr lang="en-US" sz="2800" dirty="0">
-              <a:solidFill>
-                <a:schemeClr val="tx1"/>
-              </a:solidFill>
-            </a:endParaRPr>
           </a:p>
         </p:txBody>
       </p:sp>
@@ -4907,18 +4836,13 @@
           <a:p>
             <a:pPr algn="ctr"/>
             <a:r>
-              <a:rPr lang="en-US" sz="2800" dirty="0" smtClean="0">
+              <a:rPr lang="en-US" sz="2800" dirty="0">
                 <a:solidFill>
                   <a:schemeClr val="tx1"/>
                 </a:solidFill>
               </a:rPr>
               <a:t>3</a:t>
             </a:r>
-            <a:endParaRPr lang="en-US" sz="2800" dirty="0">
-              <a:solidFill>
-                <a:schemeClr val="tx1"/>
-              </a:solidFill>
-            </a:endParaRPr>
           </a:p>
         </p:txBody>
       </p:sp>
@@ -4965,18 +4889,13 @@
           <a:p>
             <a:pPr algn="ctr"/>
             <a:r>
-              <a:rPr lang="en-US" sz="2800" dirty="0" smtClean="0">
+              <a:rPr lang="en-US" sz="2800" dirty="0">
                 <a:solidFill>
                   <a:schemeClr val="tx1"/>
                 </a:solidFill>
               </a:rPr>
               <a:t>2</a:t>
             </a:r>
-            <a:endParaRPr lang="en-US" sz="2800" dirty="0">
-              <a:solidFill>
-                <a:schemeClr val="tx1"/>
-              </a:solidFill>
-            </a:endParaRPr>
           </a:p>
         </p:txBody>
       </p:sp>
@@ -5067,7 +4986,7 @@
         <p:spPr>
           <a:xfrm>
             <a:off x="3062864" y="3676734"/>
-            <a:ext cx="579549" cy="584775"/>
+            <a:ext cx="688942" cy="584775"/>
           </a:xfrm>
           <a:prstGeom prst="rect">
             <a:avLst/>
@@ -5081,18 +5000,13 @@
           <a:lstStyle/>
           <a:p>
             <a:r>
-              <a:rPr lang="en-US" sz="3200" b="1" dirty="0" smtClean="0">
+              <a:rPr lang="en-US" sz="3200" b="1" dirty="0">
                 <a:solidFill>
                   <a:srgbClr val="00B050"/>
                 </a:solidFill>
               </a:rPr>
               <a:t>D.</a:t>
             </a:r>
-            <a:endParaRPr lang="en-US" sz="3200" b="1" dirty="0">
-              <a:solidFill>
-                <a:srgbClr val="00B050"/>
-              </a:solidFill>
-            </a:endParaRPr>
           </a:p>
         </p:txBody>
       </p:sp>
@@ -5348,7 +5262,7 @@
           <a:p>
             <a:pPr algn="ctr"/>
             <a:r>
-              <a:rPr lang="en-US" sz="2800" smtClean="0">
+              <a:rPr lang="en-US" sz="2800">
                 <a:solidFill>
                   <a:schemeClr val="tx1"/>
                 </a:solidFill>
@@ -5406,18 +5320,13 @@
           <a:p>
             <a:pPr algn="ctr"/>
             <a:r>
-              <a:rPr lang="en-US" sz="2800" dirty="0" smtClean="0">
+              <a:rPr lang="en-US" sz="2800" dirty="0">
                 <a:solidFill>
                   <a:schemeClr val="tx1"/>
                 </a:solidFill>
               </a:rPr>
               <a:t>1</a:t>
             </a:r>
-            <a:endParaRPr lang="en-US" sz="2800" dirty="0">
-              <a:solidFill>
-                <a:schemeClr val="tx1"/>
-              </a:solidFill>
-            </a:endParaRPr>
           </a:p>
         </p:txBody>
       </p:sp>
@@ -5464,18 +5373,13 @@
           <a:p>
             <a:pPr algn="ctr"/>
             <a:r>
-              <a:rPr lang="en-US" sz="2800" dirty="0" smtClean="0">
+              <a:rPr lang="en-US" sz="2800" dirty="0">
                 <a:solidFill>
                   <a:schemeClr val="tx1"/>
                 </a:solidFill>
               </a:rPr>
               <a:t>2</a:t>
             </a:r>
-            <a:endParaRPr lang="en-US" sz="2800" dirty="0">
-              <a:solidFill>
-                <a:schemeClr val="tx1"/>
-              </a:solidFill>
-            </a:endParaRPr>
           </a:p>
         </p:txBody>
       </p:sp>
@@ -5522,18 +5426,13 @@
           <a:p>
             <a:pPr algn="ctr"/>
             <a:r>
-              <a:rPr lang="en-US" sz="2800" dirty="0" smtClean="0">
+              <a:rPr lang="en-US" sz="2800" dirty="0">
                 <a:solidFill>
                   <a:schemeClr val="tx1"/>
                 </a:solidFill>
               </a:rPr>
               <a:t>4</a:t>
             </a:r>
-            <a:endParaRPr lang="en-US" sz="2800" dirty="0">
-              <a:solidFill>
-                <a:schemeClr val="tx1"/>
-              </a:solidFill>
-            </a:endParaRPr>
           </a:p>
         </p:txBody>
       </p:sp>
@@ -5580,18 +5479,13 @@
           <a:p>
             <a:pPr algn="ctr"/>
             <a:r>
-              <a:rPr lang="en-US" sz="2800" dirty="0" smtClean="0">
+              <a:rPr lang="en-US" sz="2800" dirty="0">
                 <a:solidFill>
                   <a:schemeClr val="tx1"/>
                 </a:solidFill>
               </a:rPr>
               <a:t>5</a:t>
             </a:r>
-            <a:endParaRPr lang="en-US" sz="2800" dirty="0">
-              <a:solidFill>
-                <a:schemeClr val="tx1"/>
-              </a:solidFill>
-            </a:endParaRPr>
           </a:p>
         </p:txBody>
       </p:sp>
@@ -5721,7 +5615,7 @@
         <p:spPr>
           <a:xfrm>
             <a:off x="5250197" y="615475"/>
-            <a:ext cx="579549" cy="584775"/>
+            <a:ext cx="770593" cy="584775"/>
           </a:xfrm>
           <a:prstGeom prst="rect">
             <a:avLst/>
@@ -5740,21 +5634,8 @@
                   <a:srgbClr val="00B050"/>
                 </a:solidFill>
               </a:rPr>
-              <a:t>B</a:t>
-            </a:r>
-            <a:r>
-              <a:rPr lang="en-US" sz="3200" b="1" dirty="0" smtClean="0">
-                <a:solidFill>
-                  <a:srgbClr val="00B050"/>
-                </a:solidFill>
-              </a:rPr>
-              <a:t>.</a:t>
-            </a:r>
-            <a:endParaRPr lang="en-US" sz="3200" b="1" dirty="0">
-              <a:solidFill>
-                <a:srgbClr val="00B050"/>
-              </a:solidFill>
-            </a:endParaRPr>
+              <a:t>B.</a:t>
+            </a:r>
           </a:p>
         </p:txBody>
       </p:sp>
@@ -5937,7 +5818,7 @@
         <p:spPr>
           <a:xfrm>
             <a:off x="8761848" y="680900"/>
-            <a:ext cx="579549" cy="584775"/>
+            <a:ext cx="750287" cy="584775"/>
           </a:xfrm>
           <a:prstGeom prst="rect">
             <a:avLst/>
@@ -5956,21 +5837,8 @@
                   <a:srgbClr val="00B050"/>
                 </a:solidFill>
               </a:rPr>
-              <a:t>C</a:t>
-            </a:r>
-            <a:r>
-              <a:rPr lang="en-US" sz="3200" b="1" dirty="0" smtClean="0">
-                <a:solidFill>
-                  <a:srgbClr val="00B050"/>
-                </a:solidFill>
-              </a:rPr>
-              <a:t>.</a:t>
-            </a:r>
-            <a:endParaRPr lang="en-US" sz="3200" b="1" dirty="0">
-              <a:solidFill>
-                <a:srgbClr val="00B050"/>
-              </a:solidFill>
-            </a:endParaRPr>
+              <a:t>C.</a:t>
+            </a:r>
           </a:p>
         </p:txBody>
       </p:sp>
@@ -6222,7 +6090,6 @@
               <a:rPr lang="en-US" sz="2400" dirty="0"/>
               <a:t>₁</a:t>
             </a:r>
-            <a:endParaRPr lang="en-US" sz="2400" dirty="0"/>
           </a:p>
         </p:txBody>
       </p:sp>
@@ -6322,18 +6189,13 @@
           <a:p>
             <a:pPr algn="ctr"/>
             <a:r>
-              <a:rPr lang="en-US" sz="2800" dirty="0" smtClean="0">
+              <a:rPr lang="en-US" sz="2800" dirty="0">
                 <a:solidFill>
                   <a:schemeClr val="tx1"/>
                 </a:solidFill>
               </a:rPr>
               <a:t>b</a:t>
             </a:r>
-            <a:endParaRPr lang="en-US" sz="2800" dirty="0">
-              <a:solidFill>
-                <a:schemeClr val="tx1"/>
-              </a:solidFill>
-            </a:endParaRPr>
           </a:p>
         </p:txBody>
       </p:sp>
@@ -6978,10 +6840,9 @@
           <a:lstStyle/>
           <a:p>
             <a:r>
-              <a:rPr lang="en-US" sz="2400" dirty="0" smtClean="0"/>
+              <a:rPr lang="en-US" sz="2400" dirty="0"/>
               <a:t>3</a:t>
             </a:r>
-            <a:endParaRPr lang="en-US" sz="2400" dirty="0"/>
           </a:p>
         </p:txBody>
       </p:sp>
@@ -7058,18 +6919,13 @@
           <a:p>
             <a:pPr algn="ctr"/>
             <a:r>
-              <a:rPr lang="en-US" sz="2800" dirty="0" smtClean="0">
+              <a:rPr lang="en-US" sz="2800" dirty="0">
                 <a:solidFill>
                   <a:schemeClr val="tx1"/>
                 </a:solidFill>
               </a:rPr>
               <a:t>a</a:t>
             </a:r>
-            <a:endParaRPr lang="en-US" sz="2800" dirty="0">
-              <a:solidFill>
-                <a:schemeClr val="tx1"/>
-              </a:solidFill>
-            </a:endParaRPr>
           </a:p>
         </p:txBody>
       </p:sp>
@@ -7116,18 +6972,13 @@
           <a:p>
             <a:pPr algn="ctr"/>
             <a:r>
-              <a:rPr lang="en-US" sz="2800" dirty="0" smtClean="0">
+              <a:rPr lang="en-US" sz="2800" dirty="0">
                 <a:solidFill>
                   <a:schemeClr val="tx1"/>
                 </a:solidFill>
               </a:rPr>
               <a:t>b</a:t>
             </a:r>
-            <a:endParaRPr lang="en-US" sz="2800" dirty="0">
-              <a:solidFill>
-                <a:schemeClr val="tx1"/>
-              </a:solidFill>
-            </a:endParaRPr>
           </a:p>
         </p:txBody>
       </p:sp>
@@ -7174,18 +7025,13 @@
           <a:p>
             <a:pPr algn="ctr"/>
             <a:r>
-              <a:rPr lang="en-US" sz="2800" dirty="0" smtClean="0">
+              <a:rPr lang="en-US" sz="2800" dirty="0">
                 <a:solidFill>
                   <a:schemeClr val="tx1"/>
                 </a:solidFill>
               </a:rPr>
               <a:t>c</a:t>
             </a:r>
-            <a:endParaRPr lang="en-US" sz="2800" dirty="0">
-              <a:solidFill>
-                <a:schemeClr val="tx1"/>
-              </a:solidFill>
-            </a:endParaRPr>
           </a:p>
         </p:txBody>
       </p:sp>
@@ -7232,18 +7078,13 @@
           <a:p>
             <a:pPr algn="ctr"/>
             <a:r>
-              <a:rPr lang="en-US" sz="2800" dirty="0" smtClean="0">
+              <a:rPr lang="en-US" sz="2800" dirty="0">
                 <a:solidFill>
                   <a:schemeClr val="tx1"/>
                 </a:solidFill>
               </a:rPr>
               <a:t>d</a:t>
             </a:r>
-            <a:endParaRPr lang="en-US" sz="2800" dirty="0">
-              <a:solidFill>
-                <a:schemeClr val="tx1"/>
-              </a:solidFill>
-            </a:endParaRPr>
           </a:p>
         </p:txBody>
       </p:sp>
@@ -7524,18 +7365,13 @@
           <a:p>
             <a:pPr algn="ctr"/>
             <a:r>
-              <a:rPr lang="en-US" sz="2800" dirty="0" smtClean="0">
+              <a:rPr lang="en-US" sz="2800" dirty="0">
                 <a:solidFill>
                   <a:schemeClr val="tx1"/>
                 </a:solidFill>
               </a:rPr>
               <a:t>e</a:t>
             </a:r>
-            <a:endParaRPr lang="en-US" sz="2800" dirty="0">
-              <a:solidFill>
-                <a:schemeClr val="tx1"/>
-              </a:solidFill>
-            </a:endParaRPr>
           </a:p>
         </p:txBody>
       </p:sp>
@@ -7582,18 +7418,13 @@
           <a:p>
             <a:pPr algn="ctr"/>
             <a:r>
-              <a:rPr lang="en-US" sz="2800" dirty="0" smtClean="0">
+              <a:rPr lang="en-US" sz="2800" dirty="0">
                 <a:solidFill>
                   <a:schemeClr val="tx1"/>
                 </a:solidFill>
               </a:rPr>
               <a:t>f</a:t>
             </a:r>
-            <a:endParaRPr lang="en-US" sz="2800" dirty="0">
-              <a:solidFill>
-                <a:schemeClr val="tx1"/>
-              </a:solidFill>
-            </a:endParaRPr>
           </a:p>
         </p:txBody>
       </p:sp>
@@ -7679,18 +7510,13 @@
           <a:p>
             <a:pPr algn="ctr"/>
             <a:r>
-              <a:rPr lang="en-US" sz="2800" dirty="0" smtClean="0">
+              <a:rPr lang="en-US" sz="2800" dirty="0">
                 <a:solidFill>
                   <a:schemeClr val="tx1"/>
                 </a:solidFill>
               </a:rPr>
               <a:t>g</a:t>
             </a:r>
-            <a:endParaRPr lang="en-US" sz="2800" dirty="0">
-              <a:solidFill>
-                <a:schemeClr val="tx1"/>
-              </a:solidFill>
-            </a:endParaRPr>
           </a:p>
         </p:txBody>
       </p:sp>
